--- a/Module1/SRS Document.pptx
+++ b/Module1/SRS Document.pptx
@@ -5735,7 +5735,7 @@
             <a:tbl>
               <a:tblPr>
                 <a:noFill/>
-                <a:tableStyleId>{CF4B6C32-39C6-49FD-8D76-AF277B10B1BA}</a:tableStyleId>
+                <a:tableStyleId>{EA60F1A5-90BF-460A-92B7-25DA1B20F3BD}</a:tableStyleId>
               </a:tblPr>
               <a:tblGrid>
                 <a:gridCol w="1728775"/>
@@ -5822,9 +5822,18 @@
                         <a:buNone/>
                       </a:pPr>
                       <a:r>
-                        <a:t/>
+                        <a:rPr lang="en-US">
+                          <a:solidFill>
+                            <a:schemeClr val="lt1"/>
+                          </a:solidFill>
+                        </a:rPr>
+                        <a:t>CA11</a:t>
                       </a:r>
-                      <a:endParaRPr/>
+                      <a:endParaRPr>
+                        <a:solidFill>
+                          <a:schemeClr val="lt1"/>
+                        </a:solidFill>
+                      </a:endParaRPr>
                     </a:p>
                   </a:txBody>
                   <a:tcPr marT="91425" marB="91425" marR="91425" marL="91425"/>
@@ -5907,10 +5916,20 @@
                         <a:spcAft>
                           <a:spcPts val="0"/>
                         </a:spcAft>
+                        <a:buClr>
+                          <a:schemeClr val="dk1"/>
+                        </a:buClr>
+                        <a:buSzPts val="1100"/>
+                        <a:buFont typeface="Arial"/>
                         <a:buNone/>
                       </a:pPr>
                       <a:r>
-                        <a:t/>
+                        <a:rPr lang="en-US">
+                          <a:solidFill>
+                            <a:schemeClr val="lt1"/>
+                          </a:solidFill>
+                        </a:rPr>
+                        <a:t>CA11</a:t>
                       </a:r>
                       <a:endParaRPr/>
                     </a:p>
@@ -6003,10 +6022,20 @@
                         <a:spcAft>
                           <a:spcPts val="0"/>
                         </a:spcAft>
+                        <a:buClr>
+                          <a:schemeClr val="dk1"/>
+                        </a:buClr>
+                        <a:buSzPts val="1100"/>
+                        <a:buFont typeface="Arial"/>
                         <a:buNone/>
                       </a:pPr>
                       <a:r>
-                        <a:t/>
+                        <a:rPr lang="en-US">
+                          <a:solidFill>
+                            <a:schemeClr val="lt1"/>
+                          </a:solidFill>
+                        </a:rPr>
+                        <a:t>CA11</a:t>
                       </a:r>
                       <a:endParaRPr/>
                     </a:p>
@@ -6111,10 +6140,20 @@
                         <a:spcAft>
                           <a:spcPts val="0"/>
                         </a:spcAft>
+                        <a:buClr>
+                          <a:schemeClr val="dk1"/>
+                        </a:buClr>
+                        <a:buSzPts val="1100"/>
+                        <a:buFont typeface="Arial"/>
                         <a:buNone/>
                       </a:pPr>
                       <a:r>
-                        <a:t/>
+                        <a:rPr lang="en-US">
+                          <a:solidFill>
+                            <a:schemeClr val="lt1"/>
+                          </a:solidFill>
+                        </a:rPr>
+                        <a:t>CA11</a:t>
                       </a:r>
                       <a:endParaRPr/>
                     </a:p>
